--- a/doc/ArchitectureDiagram.pptx
+++ b/doc/ArchitectureDiagram.pptx
@@ -4610,7 +4610,7 @@
                   <a:schemeClr val="tx1"/>
                 </a:solidFill>
               </a:rPr>
-              <a:t>Game State</a:t>
+              <a:t>HUD</a:t>
             </a:r>
             <a:endParaRPr lang="en-GB" dirty="0">
               <a:solidFill>

--- a/doc/ArchitectureDiagram.pptx
+++ b/doc/ArchitectureDiagram.pptx
@@ -3367,7 +3367,7 @@
               <a:lumMod val="95000"/>
             </a:schemeClr>
           </a:solidFill>
-          <a:ln w="38100">
+          <a:ln w="38100" cmpd="sng">
             <a:solidFill>
               <a:schemeClr val="tx2"/>
             </a:solidFill>
@@ -3543,10 +3543,7 @@
             <a:avLst/>
           </a:prstGeom>
           <a:solidFill>
-            <a:schemeClr val="accent1">
-              <a:lumMod val="60000"/>
-              <a:lumOff val="40000"/>
-            </a:schemeClr>
+            <a:schemeClr val="tx2"/>
           </a:solidFill>
           <a:ln w="38100">
             <a:solidFill>
@@ -3578,14 +3575,14 @@
             <a:r>
               <a:rPr lang="fr-FR" dirty="0">
                 <a:solidFill>
-                  <a:schemeClr val="tx1"/>
+                  <a:schemeClr val="bg1"/>
                 </a:solidFill>
               </a:rPr>
               <a:t>Global State</a:t>
             </a:r>
             <a:endParaRPr lang="en-GB" dirty="0">
               <a:solidFill>
-                <a:schemeClr val="tx1"/>
+                <a:schemeClr val="bg1"/>
               </a:solidFill>
             </a:endParaRPr>
           </a:p>
@@ -3612,10 +3609,7 @@
             <a:avLst/>
           </a:prstGeom>
           <a:solidFill>
-            <a:schemeClr val="accent1">
-              <a:lumMod val="60000"/>
-              <a:lumOff val="40000"/>
-            </a:schemeClr>
+            <a:schemeClr val="tx2"/>
           </a:solidFill>
           <a:ln w="38100">
             <a:solidFill>
@@ -3647,14 +3641,14 @@
             <a:r>
               <a:rPr lang="fr-FR" dirty="0">
                 <a:solidFill>
-                  <a:schemeClr val="tx1"/>
+                  <a:schemeClr val="bg1"/>
                 </a:solidFill>
               </a:rPr>
               <a:t>Graphics State</a:t>
             </a:r>
             <a:endParaRPr lang="en-GB" dirty="0">
               <a:solidFill>
-                <a:schemeClr val="tx1"/>
+                <a:schemeClr val="bg1"/>
               </a:solidFill>
             </a:endParaRPr>
           </a:p>
@@ -3681,10 +3675,7 @@
             <a:avLst/>
           </a:prstGeom>
           <a:solidFill>
-            <a:schemeClr val="accent1">
-              <a:lumMod val="60000"/>
-              <a:lumOff val="40000"/>
-            </a:schemeClr>
+            <a:schemeClr val="tx2"/>
           </a:solidFill>
           <a:ln w="38100">
             <a:solidFill>
@@ -3716,14 +3707,14 @@
             <a:r>
               <a:rPr lang="fr-FR" dirty="0">
                 <a:solidFill>
-                  <a:schemeClr val="tx1"/>
+                  <a:schemeClr val="bg1"/>
                 </a:solidFill>
               </a:rPr>
               <a:t>Editor State</a:t>
             </a:r>
             <a:endParaRPr lang="en-GB" dirty="0">
               <a:solidFill>
-                <a:schemeClr val="tx1"/>
+                <a:schemeClr val="bg1"/>
               </a:solidFill>
             </a:endParaRPr>
           </a:p>
@@ -3750,10 +3741,7 @@
             <a:avLst/>
           </a:prstGeom>
           <a:solidFill>
-            <a:schemeClr val="accent1">
-              <a:lumMod val="60000"/>
-              <a:lumOff val="40000"/>
-            </a:schemeClr>
+            <a:schemeClr val="tx2"/>
           </a:solidFill>
           <a:ln w="38100">
             <a:solidFill>
@@ -3785,14 +3773,14 @@
             <a:r>
               <a:rPr lang="fr-FR" dirty="0">
                 <a:solidFill>
-                  <a:schemeClr val="tx1"/>
+                  <a:schemeClr val="bg1"/>
                 </a:solidFill>
               </a:rPr>
               <a:t>Game State</a:t>
             </a:r>
             <a:endParaRPr lang="en-GB" dirty="0">
               <a:solidFill>
-                <a:schemeClr val="tx1"/>
+                <a:schemeClr val="bg1"/>
               </a:solidFill>
             </a:endParaRPr>
           </a:p>
@@ -4227,10 +4215,7 @@
             <a:avLst/>
           </a:prstGeom>
           <a:solidFill>
-            <a:schemeClr val="accent1">
-              <a:lumMod val="60000"/>
-              <a:lumOff val="40000"/>
-            </a:schemeClr>
+            <a:schemeClr val="tx2"/>
           </a:solidFill>
           <a:ln w="38100">
             <a:solidFill>
@@ -4262,14 +4247,14 @@
             <a:r>
               <a:rPr lang="fr-FR" dirty="0">
                 <a:solidFill>
-                  <a:schemeClr val="tx1"/>
+                  <a:schemeClr val="bg1"/>
                 </a:solidFill>
               </a:rPr>
               <a:t>Editor Logic</a:t>
             </a:r>
             <a:endParaRPr lang="en-GB" dirty="0">
               <a:solidFill>
-                <a:schemeClr val="tx1"/>
+                <a:schemeClr val="bg1"/>
               </a:solidFill>
             </a:endParaRPr>
           </a:p>
@@ -4296,10 +4281,7 @@
             <a:avLst/>
           </a:prstGeom>
           <a:solidFill>
-            <a:schemeClr val="accent1">
-              <a:lumMod val="60000"/>
-              <a:lumOff val="40000"/>
-            </a:schemeClr>
+            <a:schemeClr val="tx2"/>
           </a:solidFill>
           <a:ln w="38100">
             <a:solidFill>
@@ -4331,14 +4313,14 @@
             <a:r>
               <a:rPr lang="fr-FR" dirty="0">
                 <a:solidFill>
-                  <a:schemeClr val="tx1"/>
+                  <a:schemeClr val="bg1"/>
                 </a:solidFill>
               </a:rPr>
               <a:t>FPS Game Logic</a:t>
             </a:r>
             <a:endParaRPr lang="en-GB" dirty="0">
               <a:solidFill>
-                <a:schemeClr val="tx1"/>
+                <a:schemeClr val="bg1"/>
               </a:solidFill>
             </a:endParaRPr>
           </a:p>
@@ -4365,10 +4347,7 @@
             <a:avLst/>
           </a:prstGeom>
           <a:solidFill>
-            <a:schemeClr val="accent1">
-              <a:lumMod val="60000"/>
-              <a:lumOff val="40000"/>
-            </a:schemeClr>
+            <a:schemeClr val="tx2"/>
           </a:solidFill>
           <a:ln w="38100">
             <a:solidFill>
@@ -4400,14 +4379,14 @@
             <a:r>
               <a:rPr lang="fr-FR" dirty="0">
                 <a:solidFill>
-                  <a:schemeClr val="tx1"/>
+                  <a:schemeClr val="bg1"/>
                 </a:solidFill>
               </a:rPr>
               <a:t>World Engine</a:t>
             </a:r>
             <a:endParaRPr lang="en-GB" dirty="0">
               <a:solidFill>
-                <a:schemeClr val="tx1"/>
+                <a:schemeClr val="bg1"/>
               </a:solidFill>
             </a:endParaRPr>
           </a:p>
@@ -4434,10 +4413,7 @@
             <a:avLst/>
           </a:prstGeom>
           <a:solidFill>
-            <a:schemeClr val="accent1">
-              <a:lumMod val="60000"/>
-              <a:lumOff val="40000"/>
-            </a:schemeClr>
+            <a:schemeClr val="tx2"/>
           </a:solidFill>
           <a:ln w="38100">
             <a:solidFill>
@@ -4469,14 +4445,14 @@
             <a:r>
               <a:rPr lang="fr-FR" dirty="0">
                 <a:solidFill>
-                  <a:schemeClr val="tx1"/>
+                  <a:schemeClr val="bg1"/>
                 </a:solidFill>
               </a:rPr>
               <a:t>Camera Controller</a:t>
             </a:r>
             <a:endParaRPr lang="en-GB" dirty="0">
               <a:solidFill>
-                <a:schemeClr val="tx1"/>
+                <a:schemeClr val="bg1"/>
               </a:solidFill>
             </a:endParaRPr>
           </a:p>
@@ -4503,10 +4479,7 @@
             <a:avLst/>
           </a:prstGeom>
           <a:solidFill>
-            <a:schemeClr val="accent1">
-              <a:lumMod val="60000"/>
-              <a:lumOff val="40000"/>
-            </a:schemeClr>
+            <a:schemeClr val="tx2"/>
           </a:solidFill>
           <a:ln w="38100">
             <a:solidFill>
@@ -4538,14 +4511,14 @@
             <a:r>
               <a:rPr lang="fr-FR" dirty="0" err="1">
                 <a:solidFill>
-                  <a:schemeClr val="tx1"/>
+                  <a:schemeClr val="bg1"/>
                 </a:solidFill>
               </a:rPr>
               <a:t>Maps</a:t>
             </a:r>
             <a:endParaRPr lang="en-GB" dirty="0">
               <a:solidFill>
-                <a:schemeClr val="tx1"/>
+                <a:schemeClr val="bg1"/>
               </a:solidFill>
             </a:endParaRPr>
           </a:p>
@@ -4572,10 +4545,7 @@
             <a:avLst/>
           </a:prstGeom>
           <a:solidFill>
-            <a:schemeClr val="accent1">
-              <a:lumMod val="60000"/>
-              <a:lumOff val="40000"/>
-            </a:schemeClr>
+            <a:schemeClr val="tx2"/>
           </a:solidFill>
           <a:ln w="38100">
             <a:solidFill>
@@ -4607,14 +4577,14 @@
             <a:r>
               <a:rPr lang="fr-FR" dirty="0">
                 <a:solidFill>
-                  <a:schemeClr val="tx1"/>
+                  <a:schemeClr val="bg1"/>
                 </a:solidFill>
               </a:rPr>
               <a:t>HUD</a:t>
             </a:r>
             <a:endParaRPr lang="en-GB" dirty="0">
               <a:solidFill>
-                <a:schemeClr val="tx1"/>
+                <a:schemeClr val="bg1"/>
               </a:solidFill>
             </a:endParaRPr>
           </a:p>
@@ -4641,10 +4611,7 @@
             <a:avLst/>
           </a:prstGeom>
           <a:solidFill>
-            <a:schemeClr val="accent1">
-              <a:lumMod val="60000"/>
-              <a:lumOff val="40000"/>
-            </a:schemeClr>
+            <a:schemeClr val="tx2"/>
           </a:solidFill>
           <a:ln w="38100">
             <a:solidFill>
@@ -4676,7 +4643,7 @@
             <a:r>
               <a:rPr lang="fr-FR" dirty="0">
                 <a:solidFill>
-                  <a:schemeClr val="tx1"/>
+                  <a:schemeClr val="bg1"/>
                 </a:solidFill>
               </a:rPr>
               <a:t>3D Model </a:t>
@@ -4684,14 +4651,14 @@
             <a:r>
               <a:rPr lang="fr-FR" dirty="0" err="1">
                 <a:solidFill>
-                  <a:schemeClr val="tx1"/>
+                  <a:schemeClr val="bg1"/>
                 </a:solidFill>
               </a:rPr>
               <a:t>Definitions</a:t>
             </a:r>
             <a:endParaRPr lang="en-GB" dirty="0">
               <a:solidFill>
-                <a:schemeClr val="tx1"/>
+                <a:schemeClr val="bg1"/>
               </a:solidFill>
             </a:endParaRPr>
           </a:p>
@@ -4718,10 +4685,7 @@
             <a:avLst/>
           </a:prstGeom>
           <a:solidFill>
-            <a:schemeClr val="accent1">
-              <a:lumMod val="60000"/>
-              <a:lumOff val="40000"/>
-            </a:schemeClr>
+            <a:schemeClr val="tx2"/>
           </a:solidFill>
           <a:ln w="38100">
             <a:solidFill>
@@ -4753,14 +4717,14 @@
             <a:r>
               <a:rPr lang="fr-FR" dirty="0">
                 <a:solidFill>
-                  <a:schemeClr val="tx1"/>
+                  <a:schemeClr val="bg1"/>
                 </a:solidFill>
               </a:rPr>
               <a:t>3D Model Builder</a:t>
             </a:r>
             <a:endParaRPr lang="en-GB" dirty="0">
               <a:solidFill>
-                <a:schemeClr val="tx1"/>
+                <a:schemeClr val="bg1"/>
               </a:solidFill>
             </a:endParaRPr>
           </a:p>

--- a/doc/ArchitectureDiagram.pptx
+++ b/doc/ArchitectureDiagram.pptx
@@ -4917,6 +4917,7 @@
             <a:solidFill>
               <a:schemeClr val="tx2"/>
             </a:solidFill>
+            <a:headEnd type="triangle"/>
             <a:tailEnd type="triangle"/>
           </a:ln>
         </p:spPr>
@@ -4961,6 +4962,7 @@
             <a:solidFill>
               <a:schemeClr val="tx2"/>
             </a:solidFill>
+            <a:headEnd type="triangle"/>
             <a:tailEnd type="triangle"/>
           </a:ln>
         </p:spPr>
@@ -5005,6 +5007,7 @@
             <a:solidFill>
               <a:schemeClr val="tx2"/>
             </a:solidFill>
+            <a:headEnd type="triangle"/>
             <a:tailEnd type="triangle"/>
           </a:ln>
         </p:spPr>

--- a/doc/ArchitectureDiagram.pptx
+++ b/doc/ArchitectureDiagram.pptx
@@ -3356,7 +3356,7 @@
         </p:nvSpPr>
         <p:spPr>
           <a:xfrm>
-            <a:off x="437478" y="3584631"/>
+            <a:off x="437478" y="3146481"/>
             <a:ext cx="4716379" cy="2958209"/>
           </a:xfrm>
           <a:prstGeom prst="rect">
@@ -3416,7 +3416,7 @@
         </p:nvSpPr>
         <p:spPr>
           <a:xfrm>
-            <a:off x="9842856" y="3584631"/>
+            <a:off x="9842856" y="3146481"/>
             <a:ext cx="1996379" cy="2958209"/>
           </a:xfrm>
           <a:prstGeom prst="rect">
@@ -3476,7 +3476,7 @@
         </p:nvSpPr>
         <p:spPr>
           <a:xfrm>
-            <a:off x="5878938" y="3584631"/>
+            <a:off x="5878938" y="3146481"/>
             <a:ext cx="3238837" cy="2958209"/>
           </a:xfrm>
           <a:prstGeom prst="rect">
@@ -3536,7 +3536,7 @@
         </p:nvSpPr>
         <p:spPr>
           <a:xfrm>
-            <a:off x="6126475" y="4296217"/>
+            <a:off x="6126475" y="3858067"/>
             <a:ext cx="1289110" cy="928255"/>
           </a:xfrm>
           <a:prstGeom prst="rect">
@@ -3602,7 +3602,7 @@
         </p:nvSpPr>
         <p:spPr>
           <a:xfrm>
-            <a:off x="7589516" y="4296217"/>
+            <a:off x="7589516" y="3858067"/>
             <a:ext cx="1289110" cy="928255"/>
           </a:xfrm>
           <a:prstGeom prst="rect">
@@ -3668,7 +3668,7 @@
         </p:nvSpPr>
         <p:spPr>
           <a:xfrm>
-            <a:off x="6126475" y="5350972"/>
+            <a:off x="6126475" y="4912822"/>
             <a:ext cx="1289110" cy="928255"/>
           </a:xfrm>
           <a:prstGeom prst="rect">
@@ -3734,7 +3734,7 @@
         </p:nvSpPr>
         <p:spPr>
           <a:xfrm>
-            <a:off x="7594635" y="5350971"/>
+            <a:off x="7594635" y="4912821"/>
             <a:ext cx="1289110" cy="928255"/>
           </a:xfrm>
           <a:prstGeom prst="rect">
@@ -3800,7 +3800,7 @@
         </p:nvSpPr>
         <p:spPr>
           <a:xfrm>
-            <a:off x="437478" y="2061925"/>
+            <a:off x="437478" y="1623775"/>
             <a:ext cx="11401757" cy="928255"/>
           </a:xfrm>
           <a:prstGeom prst="rect">
@@ -3860,7 +3860,7 @@
         </p:nvSpPr>
         <p:spPr>
           <a:xfrm>
-            <a:off x="437478" y="666549"/>
+            <a:off x="437478" y="228399"/>
             <a:ext cx="2534322" cy="928255"/>
           </a:xfrm>
           <a:prstGeom prst="rect">
@@ -3928,7 +3928,7 @@
         </p:nvSpPr>
         <p:spPr>
           <a:xfrm>
-            <a:off x="3379916" y="666548"/>
+            <a:off x="3379916" y="228398"/>
             <a:ext cx="2534322" cy="928255"/>
           </a:xfrm>
           <a:prstGeom prst="rect">
@@ -3996,7 +3996,7 @@
         </p:nvSpPr>
         <p:spPr>
           <a:xfrm>
-            <a:off x="6322355" y="644621"/>
+            <a:off x="6322355" y="206471"/>
             <a:ext cx="2534322" cy="928255"/>
           </a:xfrm>
           <a:prstGeom prst="rect">
@@ -4064,7 +4064,7 @@
         </p:nvSpPr>
         <p:spPr>
           <a:xfrm>
-            <a:off x="6140978" y="3707808"/>
+            <a:off x="6140978" y="3269658"/>
             <a:ext cx="2976797" cy="461665"/>
           </a:xfrm>
           <a:prstGeom prst="rect">
@@ -4100,7 +4100,7 @@
         </p:nvSpPr>
         <p:spPr>
           <a:xfrm>
-            <a:off x="10115312" y="3707808"/>
+            <a:off x="10115312" y="3269658"/>
             <a:ext cx="1723924" cy="461665"/>
           </a:xfrm>
           <a:prstGeom prst="rect">
@@ -4136,7 +4136,7 @@
         </p:nvSpPr>
         <p:spPr>
           <a:xfrm>
-            <a:off x="716139" y="3707809"/>
+            <a:off x="716139" y="3269659"/>
             <a:ext cx="1810535" cy="461665"/>
           </a:xfrm>
           <a:prstGeom prst="rect">
@@ -4172,7 +4172,7 @@
         </p:nvSpPr>
         <p:spPr>
           <a:xfrm>
-            <a:off x="4574651" y="2301385"/>
+            <a:off x="4574651" y="1863235"/>
             <a:ext cx="4543124" cy="461665"/>
           </a:xfrm>
           <a:prstGeom prst="rect">
@@ -4208,7 +4208,7 @@
         </p:nvSpPr>
         <p:spPr>
           <a:xfrm>
-            <a:off x="10115311" y="4296216"/>
+            <a:off x="10115311" y="3858066"/>
             <a:ext cx="1289110" cy="928255"/>
           </a:xfrm>
           <a:prstGeom prst="rect">
@@ -4274,7 +4274,7 @@
         </p:nvSpPr>
         <p:spPr>
           <a:xfrm>
-            <a:off x="10115311" y="5350971"/>
+            <a:off x="10115311" y="4912821"/>
             <a:ext cx="1289110" cy="928255"/>
           </a:xfrm>
           <a:prstGeom prst="rect">
@@ -4340,7 +4340,7 @@
         </p:nvSpPr>
         <p:spPr>
           <a:xfrm>
-            <a:off x="2160179" y="4296216"/>
+            <a:off x="2160179" y="3858066"/>
             <a:ext cx="1289110" cy="928255"/>
           </a:xfrm>
           <a:prstGeom prst="rect">
@@ -4406,7 +4406,7 @@
         </p:nvSpPr>
         <p:spPr>
           <a:xfrm>
-            <a:off x="3623220" y="4296216"/>
+            <a:off x="3623220" y="3858066"/>
             <a:ext cx="1289110" cy="928255"/>
           </a:xfrm>
           <a:prstGeom prst="rect">
@@ -4472,7 +4472,7 @@
         </p:nvSpPr>
         <p:spPr>
           <a:xfrm>
-            <a:off x="2160179" y="5350971"/>
+            <a:off x="2160179" y="4912821"/>
             <a:ext cx="1289110" cy="928255"/>
           </a:xfrm>
           <a:prstGeom prst="rect">
@@ -4538,7 +4538,7 @@
         </p:nvSpPr>
         <p:spPr>
           <a:xfrm>
-            <a:off x="3628339" y="5350970"/>
+            <a:off x="3628339" y="4912820"/>
             <a:ext cx="1289110" cy="928255"/>
           </a:xfrm>
           <a:prstGeom prst="rect">
@@ -4604,7 +4604,7 @@
         </p:nvSpPr>
         <p:spPr>
           <a:xfrm>
-            <a:off x="692019" y="4296215"/>
+            <a:off x="692019" y="3858065"/>
             <a:ext cx="1289110" cy="928255"/>
           </a:xfrm>
           <a:prstGeom prst="rect">
@@ -4678,7 +4678,7 @@
         </p:nvSpPr>
         <p:spPr>
           <a:xfrm>
-            <a:off x="692019" y="5350970"/>
+            <a:off x="692019" y="4912820"/>
             <a:ext cx="1289110" cy="928255"/>
           </a:xfrm>
           <a:prstGeom prst="rect">
@@ -4744,7 +4744,7 @@
         </p:nvSpPr>
         <p:spPr>
           <a:xfrm>
-            <a:off x="9220200" y="644621"/>
+            <a:off x="9220200" y="206471"/>
             <a:ext cx="2534322" cy="928255"/>
           </a:xfrm>
           <a:prstGeom prst="rect">
@@ -4816,7 +4816,7 @@
         </p:nvCxnSpPr>
         <p:spPr>
           <a:xfrm>
-            <a:off x="5153857" y="5063736"/>
+            <a:off x="5153857" y="4625586"/>
             <a:ext cx="725081" cy="0"/>
           </a:xfrm>
           <a:prstGeom prst="straightConnector1">
@@ -4862,7 +4862,7 @@
         </p:nvCxnSpPr>
         <p:spPr>
           <a:xfrm flipH="1">
-            <a:off x="9117775" y="5063736"/>
+            <a:off x="9117775" y="4625586"/>
             <a:ext cx="725081" cy="0"/>
           </a:xfrm>
           <a:prstGeom prst="straightConnector1">
@@ -4907,7 +4907,7 @@
         </p:nvCxnSpPr>
         <p:spPr>
           <a:xfrm>
-            <a:off x="10487361" y="1572876"/>
+            <a:off x="10487361" y="1134726"/>
             <a:ext cx="0" cy="489049"/>
           </a:xfrm>
           <a:prstGeom prst="straightConnector1">
@@ -4952,7 +4952,7 @@
         </p:nvCxnSpPr>
         <p:spPr>
           <a:xfrm>
-            <a:off x="7561277" y="1572876"/>
+            <a:off x="7561277" y="1134726"/>
             <a:ext cx="0" cy="489049"/>
           </a:xfrm>
           <a:prstGeom prst="straightConnector1">
@@ -4997,7 +4997,7 @@
         </p:nvCxnSpPr>
         <p:spPr>
           <a:xfrm>
-            <a:off x="4622612" y="1594803"/>
+            <a:off x="4622612" y="1156653"/>
             <a:ext cx="0" cy="489049"/>
           </a:xfrm>
           <a:prstGeom prst="straightConnector1">
@@ -5042,7 +5042,7 @@
         </p:nvCxnSpPr>
         <p:spPr>
           <a:xfrm>
-            <a:off x="1743411" y="1572876"/>
+            <a:off x="1743411" y="1134726"/>
             <a:ext cx="0" cy="489049"/>
           </a:xfrm>
           <a:prstGeom prst="straightConnector1">
@@ -5086,7 +5086,7 @@
         </p:nvCxnSpPr>
         <p:spPr>
           <a:xfrm>
-            <a:off x="7415585" y="2990180"/>
+            <a:off x="7415585" y="2552030"/>
             <a:ext cx="0" cy="594451"/>
           </a:xfrm>
           <a:prstGeom prst="straightConnector1">
@@ -5130,7 +5130,7 @@
         </p:nvCxnSpPr>
         <p:spPr>
           <a:xfrm>
-            <a:off x="10692185" y="2990180"/>
+            <a:off x="10692185" y="2552030"/>
             <a:ext cx="0" cy="594451"/>
           </a:xfrm>
           <a:prstGeom prst="straightConnector1">
@@ -5174,7 +5174,7 @@
         </p:nvCxnSpPr>
         <p:spPr>
           <a:xfrm>
-            <a:off x="2881685" y="2990180"/>
+            <a:off x="2881685" y="2552030"/>
             <a:ext cx="0" cy="594451"/>
           </a:xfrm>
           <a:prstGeom prst="straightConnector1">
@@ -5220,7 +5220,7 @@
         </p:nvCxnSpPr>
         <p:spPr>
           <a:xfrm rot="5400000">
-            <a:off x="6818357" y="2520151"/>
+            <a:off x="6818357" y="2082001"/>
             <a:ext cx="12700" cy="8045378"/>
           </a:xfrm>
           <a:prstGeom prst="bentConnector3">
